--- a/Presentations/First Intermediate presentation/Presentation.pptx
+++ b/Presentations/First Intermediate presentation/Presentation.pptx
@@ -209,7 +209,7 @@
           <a:p>
             <a:fld id="{8F591CCF-F6FD-734B-854A-5BC033593B1E}" type="datetimeFigureOut">
               <a:rPr lang="nl-NL" smtClean="0"/>
-              <a:t>19-10-2023</a:t>
+              <a:t>26-10-2023</a:t>
             </a:fld>
             <a:endParaRPr lang="nl-NL" dirty="0"/>
           </a:p>
@@ -374,7 +374,7 @@
           <a:p>
             <a:fld id="{23C66214-DB21-4647-B5DA-0D17CA592867}" type="datetimeFigureOut">
               <a:rPr lang="nl-NL" smtClean="0"/>
-              <a:t>19-10-2023</a:t>
+              <a:t>26-10-2023</a:t>
             </a:fld>
             <a:endParaRPr lang="nl-NL" dirty="0"/>
           </a:p>
@@ -1363,7 +1363,7 @@
           <a:p>
             <a:fld id="{F825841B-26D5-A148-9974-F3723C7F22C3}" type="datetime1">
               <a:rPr lang="nl-BE" smtClean="0"/>
-              <a:t>19/10/2023</a:t>
+              <a:t>26/10/2023</a:t>
             </a:fld>
             <a:endParaRPr lang="nl-NL" dirty="0"/>
           </a:p>
@@ -1646,7 +1646,7 @@
           <a:p>
             <a:fld id="{C849DA3B-269F-0145-B69F-4430A10EF83F}" type="datetime1">
               <a:rPr lang="nl-BE" smtClean="0"/>
-              <a:t>19/10/2023</a:t>
+              <a:t>26/10/2023</a:t>
             </a:fld>
             <a:endParaRPr lang="nl-NL" dirty="0"/>
           </a:p>
@@ -1976,7 +1976,7 @@
           <a:p>
             <a:fld id="{293A16D7-E67B-9741-83C7-A577C3DA8ACC}" type="datetime1">
               <a:rPr lang="nl-BE" smtClean="0"/>
-              <a:t>19/10/2023</a:t>
+              <a:t>26/10/2023</a:t>
             </a:fld>
             <a:endParaRPr lang="nl-NL" dirty="0"/>
           </a:p>
@@ -2295,7 +2295,7 @@
           <a:p>
             <a:fld id="{AF6BBECF-12AB-B341-A39E-155CF6C0555C}" type="datetime1">
               <a:rPr lang="nl-BE" smtClean="0"/>
-              <a:t>19/10/2023</a:t>
+              <a:t>26/10/2023</a:t>
             </a:fld>
             <a:endParaRPr lang="nl-NL" dirty="0"/>
           </a:p>
@@ -2616,7 +2616,7 @@
           <a:p>
             <a:fld id="{EB3D34D8-18F0-4748-A1D6-358AF3BCB82B}" type="datetime1">
               <a:rPr lang="nl-BE" smtClean="0"/>
-              <a:t>19/10/2023</a:t>
+              <a:t>26/10/2023</a:t>
             </a:fld>
             <a:endParaRPr lang="nl-NL" dirty="0"/>
           </a:p>
@@ -2758,7 +2758,7 @@
           <a:p>
             <a:fld id="{28B53CB8-500C-2E4B-B0D3-9DC27B868875}" type="datetime1">
               <a:rPr lang="nl-BE" smtClean="0"/>
-              <a:t>19/10/2023</a:t>
+              <a:t>26/10/2023</a:t>
             </a:fld>
             <a:endParaRPr lang="nl-NL" dirty="0"/>
           </a:p>
@@ -3242,7 +3242,7 @@
           <a:p>
             <a:fld id="{3E30021B-F65A-7349-ABF4-B4520E5CB143}" type="datetime1">
               <a:rPr lang="nl-BE" smtClean="0"/>
-              <a:t>19/10/2023</a:t>
+              <a:t>26/10/2023</a:t>
             </a:fld>
             <a:endParaRPr lang="nl-NL" dirty="0"/>
           </a:p>
@@ -3363,7 +3363,7 @@
           <a:p>
             <a:fld id="{FB4669A7-5F50-9642-A13C-EB0042410F8D}" type="datetime1">
               <a:rPr lang="nl-BE" smtClean="0"/>
-              <a:t>19/10/2023</a:t>
+              <a:t>26/10/2023</a:t>
             </a:fld>
             <a:endParaRPr lang="nl-NL" dirty="0"/>
           </a:p>
@@ -3484,7 +3484,7 @@
           <a:p>
             <a:fld id="{A72281B8-6A75-0F46-A350-6055B3F8327A}" type="datetime1">
               <a:rPr lang="nl-BE" smtClean="0"/>
-              <a:t>19/10/2023</a:t>
+              <a:t>26/10/2023</a:t>
             </a:fld>
             <a:endParaRPr lang="nl-NL" dirty="0"/>
           </a:p>
@@ -3666,7 +3666,7 @@
           <a:p>
             <a:fld id="{6C4DCCB1-DBF5-174F-B799-8BB50F6A9FB6}" type="datetime1">
               <a:rPr lang="nl-BE" smtClean="0"/>
-              <a:t>19/10/2023</a:t>
+              <a:t>26/10/2023</a:t>
             </a:fld>
             <a:endParaRPr lang="nl-NL" dirty="0"/>
           </a:p>
@@ -3950,7 +3950,7 @@
           <a:p>
             <a:fld id="{EA54FD9F-4B2B-954E-A77B-81EE79CD2FB1}" type="datetime1">
               <a:rPr lang="nl-BE" smtClean="0"/>
-              <a:t>19/10/2023</a:t>
+              <a:t>26/10/2023</a:t>
             </a:fld>
             <a:endParaRPr lang="nl-NL" dirty="0"/>
           </a:p>
@@ -4590,7 +4590,7 @@
           <a:p>
             <a:fld id="{B04239E4-A5DD-5441-88AD-DDA6434ECD71}" type="datetime1">
               <a:rPr lang="nl-BE" smtClean="0"/>
-              <a:t>19/10/2023</a:t>
+              <a:t>26/10/2023</a:t>
             </a:fld>
             <a:endParaRPr lang="nl-NL" dirty="0"/>
           </a:p>
@@ -5366,7 +5366,7 @@
             <a:pPr lvl="1"/>
             <a:r>
               <a:rPr lang="nl-BE" dirty="0"/>
-              <a:t>Aantal lettergrepen &amp; rijmen behouden</a:t>
+              <a:t>Aantal lettergrepen, POS-tag &amp; rijmen behouden</a:t>
             </a:r>
           </a:p>
           <a:p>
@@ -5908,7 +5908,7 @@
         <p:spPr/>
         <p:txBody>
           <a:bodyPr>
-            <a:normAutofit fontScale="85000" lnSpcReduction="20000"/>
+            <a:normAutofit fontScale="77500" lnSpcReduction="20000"/>
           </a:bodyPr>
           <a:lstStyle/>
           <a:p>
@@ -5976,6 +5976,13 @@
             <a:r>
               <a:rPr lang="nl-NL" dirty="0"/>
               <a:t> proberen toe te passen</a:t>
+            </a:r>
+          </a:p>
+          <a:p>
+            <a:pPr lvl="1"/>
+            <a:r>
+              <a:rPr lang="nl-NL" dirty="0"/>
+              <a:t>Prototype bouwen</a:t>
             </a:r>
           </a:p>
           <a:p>
@@ -6042,65 +6049,65 @@
         <p:spPr/>
         <p:txBody>
           <a:bodyPr>
-            <a:normAutofit lnSpcReduction="10000"/>
+            <a:normAutofit/>
           </a:bodyPr>
           <a:lstStyle/>
           <a:p>
             <a:r>
-              <a:rPr lang="nl-NL" dirty="0"/>
+              <a:rPr lang="nl-NL" sz="1900" dirty="0"/>
               <a:t>Februari</a:t>
             </a:r>
           </a:p>
           <a:p>
             <a:pPr lvl="1"/>
             <a:r>
-              <a:rPr lang="nl-NL" dirty="0"/>
+              <a:rPr lang="nl-NL" sz="1900" dirty="0"/>
               <a:t>Fine tune van beste modellen</a:t>
             </a:r>
           </a:p>
           <a:p>
             <a:pPr lvl="1"/>
             <a:r>
-              <a:rPr lang="nl-NL" dirty="0"/>
+              <a:rPr lang="nl-NL" sz="1900" dirty="0"/>
               <a:t>Survey van verschillende modellen voor bereiden</a:t>
             </a:r>
           </a:p>
           <a:p>
             <a:r>
-              <a:rPr lang="nl-NL" dirty="0"/>
+              <a:rPr lang="nl-NL" sz="1900" dirty="0"/>
               <a:t>Maart</a:t>
             </a:r>
           </a:p>
           <a:p>
             <a:pPr lvl="1"/>
             <a:r>
-              <a:rPr lang="nl-NL" dirty="0"/>
+              <a:rPr lang="nl-NL" sz="1900" dirty="0"/>
               <a:t>Survey lanceren</a:t>
             </a:r>
           </a:p>
           <a:p>
             <a:pPr lvl="1"/>
             <a:r>
-              <a:rPr lang="nl-NL" dirty="0"/>
+              <a:rPr lang="nl-NL" sz="1900" dirty="0"/>
               <a:t>Een stream line algoritme met interface te maken</a:t>
             </a:r>
           </a:p>
           <a:p>
             <a:r>
-              <a:rPr lang="nl-NL" dirty="0"/>
+              <a:rPr lang="nl-NL" sz="1900" dirty="0"/>
               <a:t>April &amp; Mei</a:t>
             </a:r>
           </a:p>
           <a:p>
             <a:pPr lvl="1"/>
             <a:r>
-              <a:rPr lang="nl-NL" dirty="0"/>
+              <a:rPr lang="nl-NL" sz="1900" dirty="0"/>
               <a:t>Full focus op het schrijven van de thesis</a:t>
             </a:r>
           </a:p>
           <a:p>
             <a:pPr lvl="1"/>
-            <a:endParaRPr lang="nl-NL" dirty="0"/>
+            <a:endParaRPr lang="nl-NL" sz="1900" dirty="0"/>
           </a:p>
         </p:txBody>
       </p:sp>
